--- a/task2/Task 3 - presentation guide_BRAND.pptx
+++ b/task2/Task 3 - presentation guide_BRAND.pptx
@@ -38,12 +38,12 @@
       <p:boldItalic r:id="rId21"/>
     </p:embeddedFont>
     <p:embeddedFont>
-      <p:font typeface="Roboto Light" panose="02000000000000000000" pitchFamily="2" charset="0"/>
+      <p:font typeface="Roboto Light" panose="020F0302020204030204" pitchFamily="34" charset="0"/>
       <p:regular r:id="rId22"/>
       <p:italic r:id="rId23"/>
     </p:embeddedFont>
     <p:embeddedFont>
-      <p:font typeface="Roboto Medium" panose="02000000000000000000" pitchFamily="2" charset="0"/>
+      <p:font typeface="Roboto Medium" panose="020F0502020204030204" pitchFamily="34" charset="0"/>
       <p:regular r:id="rId24"/>
       <p:italic r:id="rId25"/>
     </p:embeddedFont>
@@ -259,7 +259,7 @@
           <a:p>
             <a:fld id="{F849F58C-0F99-4EE9-8657-ECB62F226884}" type="datetimeFigureOut">
               <a:rPr lang="en-AU" smtClean="0"/>
-              <a:t>11/06/2020</a:t>
+              <a:t>18/5/2022</a:t>
             </a:fld>
             <a:endParaRPr lang="en-AU" dirty="0"/>
           </a:p>
@@ -14303,7 +14303,7 @@
           <a:p>
             <a:r>
               <a:rPr lang="en-AU" dirty="0"/>
-              <a:t>June 2020</a:t>
+              <a:t>May 2022</a:t>
             </a:r>
           </a:p>
         </p:txBody>
@@ -15895,34 +15895,6 @@
           <a:chExt cx="0" cy="0"/>
         </a:xfrm>
       </p:grpSpPr>
-      <p:sp>
-        <p:nvSpPr>
-          <p:cNvPr id="4" name="Text Placeholder 3">
-            <a:extLst>
-              <a:ext uri="{FF2B5EF4-FFF2-40B4-BE49-F238E27FC236}">
-                <a16:creationId xmlns:a16="http://schemas.microsoft.com/office/drawing/2014/main" id="{AE016588-9575-44B2-BAA3-5937B6A9EDA0}"/>
-              </a:ext>
-            </a:extLst>
-          </p:cNvPr>
-          <p:cNvSpPr>
-            <a:spLocks noGrp="1"/>
-          </p:cNvSpPr>
-          <p:nvPr>
-            <p:ph type="body" sz="quarter" idx="10"/>
-          </p:nvPr>
-        </p:nvSpPr>
-        <p:spPr/>
-        <p:txBody>
-          <a:bodyPr/>
-          <a:lstStyle/>
-          <a:p>
-            <a:r>
-              <a:rPr lang="en-AU" dirty="0"/>
-              <a:t>Call out of the performance in the trial store, determining if it was successful</a:t>
-            </a:r>
-          </a:p>
-        </p:txBody>
-      </p:sp>
       <p:pic>
         <p:nvPicPr>
           <p:cNvPr id="2" name="Picture 1">
@@ -15953,6 +15925,259 @@
           </a:prstGeom>
         </p:spPr>
       </p:pic>
+      <p:sp>
+        <p:nvSpPr>
+          <p:cNvPr id="5" name="Text Placeholder 4">
+            <a:extLst>
+              <a:ext uri="{FF2B5EF4-FFF2-40B4-BE49-F238E27FC236}">
+                <a16:creationId xmlns:a16="http://schemas.microsoft.com/office/drawing/2014/main" id="{80CBCC02-556D-8C56-DCC4-4E31778B0564}"/>
+              </a:ext>
+            </a:extLst>
+          </p:cNvPr>
+          <p:cNvSpPr>
+            <a:spLocks noGrp="1"/>
+          </p:cNvSpPr>
+          <p:nvPr>
+            <p:ph type="body" sz="quarter" idx="10"/>
+          </p:nvPr>
+        </p:nvSpPr>
+        <p:spPr/>
+        <p:txBody>
+          <a:bodyPr/>
+          <a:lstStyle/>
+          <a:p>
+            <a:r>
+              <a:rPr lang="en-GB" dirty="0"/>
+              <a:t>The trial in store 86 is not significantly different to its control store in the trial period</a:t>
+            </a:r>
+          </a:p>
+        </p:txBody>
+      </p:sp>
+      <p:pic>
+        <p:nvPicPr>
+          <p:cNvPr id="11" name="Picture 10" descr="Chart, line chart&#10;&#10;Description automatically generated">
+            <a:extLst>
+              <a:ext uri="{FF2B5EF4-FFF2-40B4-BE49-F238E27FC236}">
+                <a16:creationId xmlns:a16="http://schemas.microsoft.com/office/drawing/2014/main" id="{E9FE718E-2CC7-38F0-CA62-16DD3321B4FA}"/>
+              </a:ext>
+            </a:extLst>
+          </p:cNvPr>
+          <p:cNvPicPr>
+            <a:picLocks noChangeAspect="1"/>
+          </p:cNvPicPr>
+          <p:nvPr/>
+        </p:nvPicPr>
+        <p:blipFill>
+          <a:blip r:embed="rId3">
+            <a:extLst>
+              <a:ext uri="{28A0092B-C50C-407E-A947-70E740481C1C}">
+                <a14:useLocalDpi xmlns:a14="http://schemas.microsoft.com/office/drawing/2010/main" val="0"/>
+              </a:ext>
+            </a:extLst>
+          </a:blip>
+          <a:stretch>
+            <a:fillRect/>
+          </a:stretch>
+        </p:blipFill>
+        <p:spPr>
+          <a:xfrm>
+            <a:off x="732816" y="2663687"/>
+            <a:ext cx="3998297" cy="2873776"/>
+          </a:xfrm>
+          <a:prstGeom prst="rect">
+            <a:avLst/>
+          </a:prstGeom>
+        </p:spPr>
+      </p:pic>
+      <p:sp>
+        <p:nvSpPr>
+          <p:cNvPr id="12" name="TextBox 11">
+            <a:extLst>
+              <a:ext uri="{FF2B5EF4-FFF2-40B4-BE49-F238E27FC236}">
+                <a16:creationId xmlns:a16="http://schemas.microsoft.com/office/drawing/2014/main" id="{D32CCF73-31E2-4526-A34C-47DDA0F33440}"/>
+              </a:ext>
+            </a:extLst>
+          </p:cNvPr>
+          <p:cNvSpPr txBox="1"/>
+          <p:nvPr/>
+        </p:nvSpPr>
+        <p:spPr>
+          <a:xfrm>
+            <a:off x="1537252" y="2266122"/>
+            <a:ext cx="0" cy="0"/>
+          </a:xfrm>
+          <a:prstGeom prst="rect">
+            <a:avLst/>
+          </a:prstGeom>
+          <a:noFill/>
+        </p:spPr>
+        <p:txBody>
+          <a:bodyPr wrap="none" lIns="0" tIns="0" rIns="0" bIns="0" rtlCol="0" anchor="t">
+            <a:noAutofit/>
+          </a:bodyPr>
+          <a:lstStyle/>
+          <a:p>
+            <a:pPr algn="l"/>
+            <a:r>
+              <a:rPr lang="en-GB" sz="1200" dirty="0">
+                <a:latin typeface="Roboto Light" panose="02000000000000000000" pitchFamily="2" charset="0"/>
+                <a:ea typeface="Roboto Light" panose="02000000000000000000" pitchFamily="2" charset="0"/>
+              </a:rPr>
+              <a:t>Store 77</a:t>
+            </a:r>
+          </a:p>
+        </p:txBody>
+      </p:sp>
+      <p:pic>
+        <p:nvPicPr>
+          <p:cNvPr id="14" name="Picture 13" descr="Chart&#10;&#10;Description automatically generated">
+            <a:extLst>
+              <a:ext uri="{FF2B5EF4-FFF2-40B4-BE49-F238E27FC236}">
+                <a16:creationId xmlns:a16="http://schemas.microsoft.com/office/drawing/2014/main" id="{6A2C235C-A781-E3E1-8C0B-23A1BD25DDEC}"/>
+              </a:ext>
+            </a:extLst>
+          </p:cNvPr>
+          <p:cNvPicPr>
+            <a:picLocks noChangeAspect="1"/>
+          </p:cNvPicPr>
+          <p:nvPr/>
+        </p:nvPicPr>
+        <p:blipFill>
+          <a:blip r:embed="rId4">
+            <a:extLst>
+              <a:ext uri="{28A0092B-C50C-407E-A947-70E740481C1C}">
+                <a14:useLocalDpi xmlns:a14="http://schemas.microsoft.com/office/drawing/2010/main" val="0"/>
+              </a:ext>
+            </a:extLst>
+          </a:blip>
+          <a:stretch>
+            <a:fillRect/>
+          </a:stretch>
+        </p:blipFill>
+        <p:spPr>
+          <a:xfrm>
+            <a:off x="4731113" y="2663687"/>
+            <a:ext cx="4002070" cy="2873776"/>
+          </a:xfrm>
+          <a:prstGeom prst="rect">
+            <a:avLst/>
+          </a:prstGeom>
+        </p:spPr>
+      </p:pic>
+      <p:sp>
+        <p:nvSpPr>
+          <p:cNvPr id="15" name="TextBox 14">
+            <a:extLst>
+              <a:ext uri="{FF2B5EF4-FFF2-40B4-BE49-F238E27FC236}">
+                <a16:creationId xmlns:a16="http://schemas.microsoft.com/office/drawing/2014/main" id="{AF40BF95-1ECB-1C45-6661-E16154F37A3B}"/>
+              </a:ext>
+            </a:extLst>
+          </p:cNvPr>
+          <p:cNvSpPr txBox="1"/>
+          <p:nvPr/>
+        </p:nvSpPr>
+        <p:spPr>
+          <a:xfrm>
+            <a:off x="5539409" y="2239617"/>
+            <a:ext cx="0" cy="0"/>
+          </a:xfrm>
+          <a:prstGeom prst="rect">
+            <a:avLst/>
+          </a:prstGeom>
+          <a:noFill/>
+        </p:spPr>
+        <p:txBody>
+          <a:bodyPr wrap="none" lIns="0" tIns="0" rIns="0" bIns="0" rtlCol="0" anchor="t">
+            <a:noAutofit/>
+          </a:bodyPr>
+          <a:lstStyle/>
+          <a:p>
+            <a:pPr algn="l"/>
+            <a:r>
+              <a:rPr lang="en-GB" sz="1200" dirty="0">
+                <a:latin typeface="Roboto Light" panose="02000000000000000000" pitchFamily="2" charset="0"/>
+                <a:ea typeface="Roboto Light" panose="02000000000000000000" pitchFamily="2" charset="0"/>
+              </a:rPr>
+              <a:t>Store 86</a:t>
+            </a:r>
+          </a:p>
+        </p:txBody>
+      </p:sp>
+      <p:pic>
+        <p:nvPicPr>
+          <p:cNvPr id="17" name="Picture 16" descr="Chart&#10;&#10;Description automatically generated">
+            <a:extLst>
+              <a:ext uri="{FF2B5EF4-FFF2-40B4-BE49-F238E27FC236}">
+                <a16:creationId xmlns:a16="http://schemas.microsoft.com/office/drawing/2014/main" id="{BA7D5F30-8A95-0461-667C-5478106C5875}"/>
+              </a:ext>
+            </a:extLst>
+          </p:cNvPr>
+          <p:cNvPicPr>
+            <a:picLocks noChangeAspect="1"/>
+          </p:cNvPicPr>
+          <p:nvPr/>
+        </p:nvPicPr>
+        <p:blipFill>
+          <a:blip r:embed="rId5">
+            <a:extLst>
+              <a:ext uri="{28A0092B-C50C-407E-A947-70E740481C1C}">
+                <a14:useLocalDpi xmlns:a14="http://schemas.microsoft.com/office/drawing/2010/main" val="0"/>
+              </a:ext>
+            </a:extLst>
+          </a:blip>
+          <a:stretch>
+            <a:fillRect/>
+          </a:stretch>
+        </p:blipFill>
+        <p:spPr>
+          <a:xfrm>
+            <a:off x="8189930" y="2702493"/>
+            <a:ext cx="4002070" cy="2796164"/>
+          </a:xfrm>
+          <a:prstGeom prst="rect">
+            <a:avLst/>
+          </a:prstGeom>
+        </p:spPr>
+      </p:pic>
+      <p:sp>
+        <p:nvSpPr>
+          <p:cNvPr id="18" name="TextBox 17">
+            <a:extLst>
+              <a:ext uri="{FF2B5EF4-FFF2-40B4-BE49-F238E27FC236}">
+                <a16:creationId xmlns:a16="http://schemas.microsoft.com/office/drawing/2014/main" id="{B3403DB9-1EC3-569A-0328-F16239899B59}"/>
+              </a:ext>
+            </a:extLst>
+          </p:cNvPr>
+          <p:cNvSpPr txBox="1"/>
+          <p:nvPr/>
+        </p:nvSpPr>
+        <p:spPr>
+          <a:xfrm>
+            <a:off x="8998226" y="2279374"/>
+            <a:ext cx="0" cy="0"/>
+          </a:xfrm>
+          <a:prstGeom prst="rect">
+            <a:avLst/>
+          </a:prstGeom>
+          <a:noFill/>
+        </p:spPr>
+        <p:txBody>
+          <a:bodyPr wrap="none" lIns="0" tIns="0" rIns="0" bIns="0" rtlCol="0" anchor="t">
+            <a:noAutofit/>
+          </a:bodyPr>
+          <a:lstStyle/>
+          <a:p>
+            <a:pPr algn="l"/>
+            <a:r>
+              <a:rPr lang="en-GB" sz="1200" dirty="0">
+                <a:latin typeface="Roboto Light" panose="02000000000000000000" pitchFamily="2" charset="0"/>
+                <a:ea typeface="Roboto Light" panose="02000000000000000000" pitchFamily="2" charset="0"/>
+              </a:rPr>
+              <a:t>Store 88</a:t>
+            </a:r>
+          </a:p>
+        </p:txBody>
+      </p:sp>
     </p:spTree>
     <p:extLst>
       <p:ext uri="{BB962C8B-B14F-4D97-AF65-F5344CB8AC3E}">
@@ -16353,13 +16578,68 @@
           </a:bodyPr>
           <a:lstStyle/>
           <a:p>
-            <a:pPr algn="l"/>
+            <a:pPr marL="171450" indent="-171450">
+              <a:buFont typeface="Arial" panose="020B0604020202020204" pitchFamily="34" charset="0"/>
+              <a:buChar char="•"/>
+            </a:pPr>
             <a:r>
-              <a:rPr lang="en-AU" sz="1200" dirty="0">
+              <a:rPr lang="en-AU" sz="1400" dirty="0">
                 <a:latin typeface="Roboto Light" panose="02000000000000000000" pitchFamily="2" charset="0"/>
                 <a:ea typeface="Roboto Light" panose="02000000000000000000" pitchFamily="2" charset="0"/>
               </a:rPr>
-              <a:t>Here you will include your high-level findings and any key callouts for task 1</a:t>
+              <a:t>Sales are coming mainly from Budget - older families, Mainstream - young singles/couples, and Mainstream - retirees</a:t>
+            </a:r>
+          </a:p>
+          <a:p>
+            <a:pPr marL="171450" indent="-171450">
+              <a:buFont typeface="Arial" panose="020B0604020202020204" pitchFamily="34" charset="0"/>
+              <a:buChar char="•"/>
+            </a:pPr>
+            <a:r>
+              <a:rPr lang="en-AU" sz="1400" dirty="0">
+                <a:latin typeface="Roboto Light" panose="02000000000000000000" pitchFamily="2" charset="0"/>
+                <a:ea typeface="Roboto Light" panose="02000000000000000000" pitchFamily="2" charset="0"/>
+              </a:rPr>
+              <a:t>Mainstream young singles/couples are 23% more likely to purchase Tyrrells chips compared to the rest of the population</a:t>
+            </a:r>
+          </a:p>
+          <a:p>
+            <a:pPr marL="171450" indent="-171450">
+              <a:buFont typeface="Arial" panose="020B0604020202020204" pitchFamily="34" charset="0"/>
+              <a:buChar char="•"/>
+            </a:pPr>
+            <a:r>
+              <a:rPr lang="en-AU" sz="1400" dirty="0">
+                <a:latin typeface="Roboto Light" panose="02000000000000000000" pitchFamily="2" charset="0"/>
+                <a:ea typeface="Roboto Light" panose="02000000000000000000" pitchFamily="2" charset="0"/>
+              </a:rPr>
+              <a:t>Mainstream young singles/couples are 56% less likely to buy Burger Rings compared to the rest of the population.</a:t>
+            </a:r>
+          </a:p>
+          <a:p>
+            <a:pPr marL="171450" indent="-171450">
+              <a:buFont typeface="Arial" panose="020B0604020202020204" pitchFamily="34" charset="0"/>
+              <a:buChar char="•"/>
+            </a:pPr>
+            <a:r>
+              <a:rPr lang="en-AU" sz="1400" dirty="0">
+                <a:latin typeface="Roboto Light" panose="02000000000000000000" pitchFamily="2" charset="0"/>
+                <a:ea typeface="Roboto Light" panose="02000000000000000000" pitchFamily="2" charset="0"/>
+              </a:rPr>
+              <a:t>The increase in sales occurs in the lead-up to Christmas and that there are zero sales on Christmas day itself. This is due to shops being closed on Christmas day.</a:t>
+            </a:r>
+          </a:p>
+          <a:p>
+            <a:pPr marL="171450" indent="-171450">
+              <a:buFont typeface="Arial" panose="020B0604020202020204" pitchFamily="34" charset="0"/>
+              <a:buChar char="•"/>
+            </a:pPr>
+            <a:r>
+              <a:rPr lang="en-AU" sz="1400" dirty="0">
+                <a:latin typeface="Roboto Light" panose="02000000000000000000" pitchFamily="2" charset="0"/>
+                <a:ea typeface="Roboto Light" panose="02000000000000000000" pitchFamily="2" charset="0"/>
+              </a:rPr>
+              <a:t>Most frequent product sizer purchased is 175 gr followed by the 150 gr size for all segments.</a:t>
             </a:r>
           </a:p>
         </p:txBody>
@@ -16392,12 +16672,29 @@
           </a:bodyPr>
           <a:lstStyle/>
           <a:p>
+            <a:pPr marL="171450" indent="-171450">
+              <a:buFont typeface="Arial" panose="020B0604020202020204" pitchFamily="34" charset="0"/>
+              <a:buChar char="•"/>
+            </a:pPr>
             <a:r>
-              <a:rPr lang="en-AU" sz="1200" dirty="0">
+              <a:rPr lang="en-AU" sz="1400" dirty="0">
                 <a:latin typeface="Roboto Light" panose="02000000000000000000" pitchFamily="2" charset="0"/>
                 <a:ea typeface="Roboto Light" panose="02000000000000000000" pitchFamily="2" charset="0"/>
               </a:rPr>
-              <a:t>Here you will include your high-level findings and any key callouts for task 2</a:t>
+              <a:t>Trial stores 77 and 86 have significant increase in total sales and number of customers during trial as compared to the control store.</a:t>
+            </a:r>
+          </a:p>
+          <a:p>
+            <a:pPr marL="171450" indent="-171450">
+              <a:buFont typeface="Arial" panose="020B0604020202020204" pitchFamily="34" charset="0"/>
+              <a:buChar char="•"/>
+            </a:pPr>
+            <a:r>
+              <a:rPr lang="en-AU" sz="1400" dirty="0">
+                <a:latin typeface="Roboto Light" panose="02000000000000000000" pitchFamily="2" charset="0"/>
+                <a:ea typeface="Roboto Light" panose="02000000000000000000" pitchFamily="2" charset="0"/>
+              </a:rPr>
+              <a:t>Trial store 88 showed a lower increase compared to stores 77 and 86.</a:t>
             </a:r>
           </a:p>
         </p:txBody>
@@ -16565,7 +16862,7 @@
           <a:p>
             <a:r>
               <a:rPr lang="en-AU" dirty="0"/>
-              <a:t>Overview: your key callout for the category should be included here</a:t>
+              <a:t>Older families and young families in general buy more chips per customer</a:t>
             </a:r>
           </a:p>
         </p:txBody>
@@ -16594,6 +16891,42 @@
           <a:xfrm>
             <a:off x="12316275" y="0"/>
             <a:ext cx="1993565" cy="1639966"/>
+          </a:xfrm>
+          <a:prstGeom prst="rect">
+            <a:avLst/>
+          </a:prstGeom>
+        </p:spPr>
+      </p:pic>
+      <p:pic>
+        <p:nvPicPr>
+          <p:cNvPr id="6" name="Picture 5" descr="Chart, bar chart&#10;&#10;Description automatically generated">
+            <a:extLst>
+              <a:ext uri="{FF2B5EF4-FFF2-40B4-BE49-F238E27FC236}">
+                <a16:creationId xmlns:a16="http://schemas.microsoft.com/office/drawing/2014/main" id="{5F2EA8D1-29C1-399D-BD1E-EE4563EC2A12}"/>
+              </a:ext>
+            </a:extLst>
+          </p:cNvPr>
+          <p:cNvPicPr>
+            <a:picLocks noChangeAspect="1"/>
+          </p:cNvPicPr>
+          <p:nvPr/>
+        </p:nvPicPr>
+        <p:blipFill>
+          <a:blip r:embed="rId3">
+            <a:extLst>
+              <a:ext uri="{28A0092B-C50C-407E-A947-70E740481C1C}">
+                <a14:useLocalDpi xmlns:a14="http://schemas.microsoft.com/office/drawing/2010/main" val="0"/>
+              </a:ext>
+            </a:extLst>
+          </a:blip>
+          <a:stretch>
+            <a:fillRect/>
+          </a:stretch>
+        </p:blipFill>
+        <p:spPr>
+          <a:xfrm>
+            <a:off x="1998296" y="943711"/>
+            <a:ext cx="8996729" cy="5557355"/>
           </a:xfrm>
           <a:prstGeom prst="rect">
             <a:avLst/>
@@ -16665,7 +16998,25 @@
           <a:p>
             <a:r>
               <a:rPr lang="en-AU" dirty="0"/>
-              <a:t>This slide will be commentary on affluence and its effect on consumer buying for the category of chips</a:t>
+              <a:t>1. Sales have mainly been due to Budget - older families, Mainstream - young singles/couples, and Mainstream- retirees shoppers.</a:t>
+            </a:r>
+          </a:p>
+          <a:p>
+            <a:endParaRPr lang="en-AU" dirty="0"/>
+          </a:p>
+          <a:p>
+            <a:r>
+              <a:rPr lang="en-AU" dirty="0"/>
+              <a:t>2. We found that the high spending on chips for mainstream young singles/couples and retirees is due to more of them than other buyers. </a:t>
+            </a:r>
+          </a:p>
+          <a:p>
+            <a:endParaRPr lang="en-AU" dirty="0"/>
+          </a:p>
+          <a:p>
+            <a:r>
+              <a:rPr lang="en-AU" dirty="0"/>
+              <a:t>3. Mainstream, mid-age, and young singles and couples are also more likely to pay more per packet of chips. </a:t>
             </a:r>
           </a:p>
         </p:txBody>
@@ -16764,8 +17115,8 @@
           <a:lstStyle/>
           <a:p>
             <a:r>
-              <a:rPr lang="en-AU" dirty="0"/>
-              <a:t>Stretch: Try visualising the proportion of customers by affluence and life stage on this slide </a:t>
+              <a:rPr lang="en-AU" sz="2000" dirty="0"/>
+              <a:t>There are more Mainstream - young singles/couples and Mainstream - retirees who buy chips. This contributes to there being more sales to these customer segments but this is not a major driver for the Budget - Older families segment.</a:t>
             </a:r>
           </a:p>
         </p:txBody>
@@ -18318,6 +18669,42 @@
           </a:prstGeom>
         </p:spPr>
       </p:pic>
+      <p:pic>
+        <p:nvPicPr>
+          <p:cNvPr id="6" name="Picture 5" descr="Chart&#10;&#10;Description automatically generated">
+            <a:extLst>
+              <a:ext uri="{FF2B5EF4-FFF2-40B4-BE49-F238E27FC236}">
+                <a16:creationId xmlns:a16="http://schemas.microsoft.com/office/drawing/2014/main" id="{F5922C0E-07BA-F047-3D23-2B876AD13EC8}"/>
+              </a:ext>
+            </a:extLst>
+          </p:cNvPr>
+          <p:cNvPicPr>
+            <a:picLocks noChangeAspect="1"/>
+          </p:cNvPicPr>
+          <p:nvPr/>
+        </p:nvPicPr>
+        <p:blipFill>
+          <a:blip r:embed="rId3">
+            <a:extLst>
+              <a:ext uri="{28A0092B-C50C-407E-A947-70E740481C1C}">
+                <a14:useLocalDpi xmlns:a14="http://schemas.microsoft.com/office/drawing/2010/main" val="0"/>
+              </a:ext>
+            </a:extLst>
+          </a:blip>
+          <a:stretch>
+            <a:fillRect/>
+          </a:stretch>
+        </p:blipFill>
+        <p:spPr>
+          <a:xfrm>
+            <a:off x="2884332" y="1639966"/>
+            <a:ext cx="7448084" cy="4600744"/>
+          </a:xfrm>
+          <a:prstGeom prst="rect">
+            <a:avLst/>
+          </a:prstGeom>
+        </p:spPr>
+      </p:pic>
     </p:spTree>
     <p:extLst>
       <p:ext uri="{BB962C8B-B14F-4D97-AF65-F5344CB8AC3E}">
@@ -18474,14 +18861,31 @@
             <p:ph type="body" sz="quarter" idx="10"/>
           </p:nvPr>
         </p:nvSpPr>
-        <p:spPr/>
+        <p:spPr>
+          <a:xfrm>
+            <a:off x="1223480" y="718414"/>
+            <a:ext cx="10479600" cy="824400"/>
+          </a:xfrm>
+        </p:spPr>
         <p:txBody>
           <a:bodyPr/>
           <a:lstStyle/>
           <a:p>
+            <a:pPr fontAlgn="base"/>
             <a:r>
-              <a:rPr lang="en-AU" dirty="0"/>
-              <a:t>Explanation of the control store vs other stores</a:t>
+              <a:rPr lang="en-GB" dirty="0"/>
+              <a:t>Evaluate the performance of a store trial which was performed in stores 77, 86 and 88.</a:t>
+            </a:r>
+          </a:p>
+          <a:p>
+            <a:pPr fontAlgn="base"/>
+            <a:endParaRPr lang="en-GB" dirty="0"/>
+          </a:p>
+          <a:p>
+            <a:pPr fontAlgn="base"/>
+            <a:r>
+              <a:rPr lang="en-GB" dirty="0"/>
+              <a:t>Control stores were selected based on how similar monthly total sales in dollar amounts and monthly number of customers are to the trial stores.</a:t>
             </a:r>
           </a:p>
         </p:txBody>
